--- a/Data/tables_and_plots/plots/pptx/prompt.pptx
+++ b/Data/tables_and_plots/plots/pptx/prompt.pptx
@@ -123,16 +123,32 @@
 </p:presentation>
 </file>
 
-<file path=ppt/revisionInfo.xml><?xml version="1.0" encoding="utf-8"?>
-<p1510:revInfo xmlns:a="http://schemas.openxmlformats.org/drawingml/2006/main" xmlns:r="http://schemas.openxmlformats.org/officeDocument/2006/relationships" xmlns:p1510="http://schemas.microsoft.com/office/powerpoint/2015/10/main">
-  <p1510:revLst>
-    <p1510:client id="{85DEFD6C-8583-43CD-8579-9FBCBCEFBB39}" v="3" dt="2023-04-26T13:38:57.953"/>
-  </p1510:revLst>
-</p1510:revInfo>
-</file>
-
 <file path=ppt/changesInfos/changesInfo1.xml><?xml version="1.0" encoding="utf-8"?>
 <pc:chgInfo xmlns:a="http://schemas.openxmlformats.org/drawingml/2006/main" xmlns:r="http://schemas.openxmlformats.org/officeDocument/2006/relationships" xmlns:ac="http://schemas.microsoft.com/office/drawing/2013/main/command" xmlns:pc="http://schemas.microsoft.com/office/powerpoint/2013/main/command">
+  <pc:docChgLst>
+    <pc:chgData name="Markus Alexandersen" userId="991ad98c12cc37c6" providerId="LiveId" clId="{6C736521-E97A-4380-86C9-9D337DEC3590}"/>
+    <pc:docChg chg="modSld">
+      <pc:chgData name="Markus Alexandersen" userId="991ad98c12cc37c6" providerId="LiveId" clId="{6C736521-E97A-4380-86C9-9D337DEC3590}" dt="2023-05-22T08:58:28.566" v="0" actId="207"/>
+      <pc:docMkLst>
+        <pc:docMk/>
+      </pc:docMkLst>
+      <pc:sldChg chg="modSp mod">
+        <pc:chgData name="Markus Alexandersen" userId="991ad98c12cc37c6" providerId="LiveId" clId="{6C736521-E97A-4380-86C9-9D337DEC3590}" dt="2023-05-22T08:58:28.566" v="0" actId="207"/>
+        <pc:sldMkLst>
+          <pc:docMk/>
+          <pc:sldMk cId="1256325830" sldId="257"/>
+        </pc:sldMkLst>
+        <pc:spChg chg="mod">
+          <ac:chgData name="Markus Alexandersen" userId="991ad98c12cc37c6" providerId="LiveId" clId="{6C736521-E97A-4380-86C9-9D337DEC3590}" dt="2023-05-22T08:58:28.566" v="0" actId="207"/>
+          <ac:spMkLst>
+            <pc:docMk/>
+            <pc:sldMk cId="1256325830" sldId="257"/>
+            <ac:spMk id="5" creationId="{1A44C68F-6213-59FA-364D-BE4BC2DC6CC4}"/>
+          </ac:spMkLst>
+        </pc:spChg>
+      </pc:sldChg>
+    </pc:docChg>
+  </pc:docChgLst>
   <pc:docChgLst>
     <pc:chgData name="Markus Alexandersen" userId="991ad98c12cc37c6" providerId="LiveId" clId="{185E380F-5899-43A2-B20C-CDF952A6D65A}"/>
     <pc:docChg chg="modSld">
@@ -354,7 +370,7 @@
           <a:p>
             <a:fld id="{F23F9202-157D-489A-BB23-1C2439C81F73}" type="datetimeFigureOut">
               <a:rPr lang="en-US" smtClean="0"/>
-              <a:t>4/26/2023</a:t>
+              <a:t>5/22/2023</a:t>
             </a:fld>
             <a:endParaRPr lang="en-US"/>
           </a:p>
@@ -524,7 +540,7 @@
           <a:p>
             <a:fld id="{F23F9202-157D-489A-BB23-1C2439C81F73}" type="datetimeFigureOut">
               <a:rPr lang="en-US" smtClean="0"/>
-              <a:t>4/26/2023</a:t>
+              <a:t>5/22/2023</a:t>
             </a:fld>
             <a:endParaRPr lang="en-US"/>
           </a:p>
@@ -704,7 +720,7 @@
           <a:p>
             <a:fld id="{F23F9202-157D-489A-BB23-1C2439C81F73}" type="datetimeFigureOut">
               <a:rPr lang="en-US" smtClean="0"/>
-              <a:t>4/26/2023</a:t>
+              <a:t>5/22/2023</a:t>
             </a:fld>
             <a:endParaRPr lang="en-US"/>
           </a:p>
@@ -874,7 +890,7 @@
           <a:p>
             <a:fld id="{F23F9202-157D-489A-BB23-1C2439C81F73}" type="datetimeFigureOut">
               <a:rPr lang="en-US" smtClean="0"/>
-              <a:t>4/26/2023</a:t>
+              <a:t>5/22/2023</a:t>
             </a:fld>
             <a:endParaRPr lang="en-US"/>
           </a:p>
@@ -1120,7 +1136,7 @@
           <a:p>
             <a:fld id="{F23F9202-157D-489A-BB23-1C2439C81F73}" type="datetimeFigureOut">
               <a:rPr lang="en-US" smtClean="0"/>
-              <a:t>4/26/2023</a:t>
+              <a:t>5/22/2023</a:t>
             </a:fld>
             <a:endParaRPr lang="en-US"/>
           </a:p>
@@ -1352,7 +1368,7 @@
           <a:p>
             <a:fld id="{F23F9202-157D-489A-BB23-1C2439C81F73}" type="datetimeFigureOut">
               <a:rPr lang="en-US" smtClean="0"/>
-              <a:t>4/26/2023</a:t>
+              <a:t>5/22/2023</a:t>
             </a:fld>
             <a:endParaRPr lang="en-US"/>
           </a:p>
@@ -1719,7 +1735,7 @@
           <a:p>
             <a:fld id="{F23F9202-157D-489A-BB23-1C2439C81F73}" type="datetimeFigureOut">
               <a:rPr lang="en-US" smtClean="0"/>
-              <a:t>4/26/2023</a:t>
+              <a:t>5/22/2023</a:t>
             </a:fld>
             <a:endParaRPr lang="en-US"/>
           </a:p>
@@ -1837,7 +1853,7 @@
           <a:p>
             <a:fld id="{F23F9202-157D-489A-BB23-1C2439C81F73}" type="datetimeFigureOut">
               <a:rPr lang="en-US" smtClean="0"/>
-              <a:t>4/26/2023</a:t>
+              <a:t>5/22/2023</a:t>
             </a:fld>
             <a:endParaRPr lang="en-US"/>
           </a:p>
@@ -1932,7 +1948,7 @@
           <a:p>
             <a:fld id="{F23F9202-157D-489A-BB23-1C2439C81F73}" type="datetimeFigureOut">
               <a:rPr lang="en-US" smtClean="0"/>
-              <a:t>4/26/2023</a:t>
+              <a:t>5/22/2023</a:t>
             </a:fld>
             <a:endParaRPr lang="en-US"/>
           </a:p>
@@ -2209,7 +2225,7 @@
           <a:p>
             <a:fld id="{F23F9202-157D-489A-BB23-1C2439C81F73}" type="datetimeFigureOut">
               <a:rPr lang="en-US" smtClean="0"/>
-              <a:t>4/26/2023</a:t>
+              <a:t>5/22/2023</a:t>
             </a:fld>
             <a:endParaRPr lang="en-US"/>
           </a:p>
@@ -2466,7 +2482,7 @@
           <a:p>
             <a:fld id="{F23F9202-157D-489A-BB23-1C2439C81F73}" type="datetimeFigureOut">
               <a:rPr lang="en-US" smtClean="0"/>
-              <a:t>4/26/2023</a:t>
+              <a:t>5/22/2023</a:t>
             </a:fld>
             <a:endParaRPr lang="en-US"/>
           </a:p>
@@ -2679,7 +2695,7 @@
           <a:p>
             <a:fld id="{F23F9202-157D-489A-BB23-1C2439C81F73}" type="datetimeFigureOut">
               <a:rPr lang="en-US" smtClean="0"/>
-              <a:t>4/26/2023</a:t>
+              <a:t>5/22/2023</a:t>
             </a:fld>
             <a:endParaRPr lang="en-US"/>
           </a:p>
@@ -3392,9 +3408,9 @@
             <a:avLst/>
           </a:prstGeom>
           <a:solidFill>
-            <a:schemeClr val="accent1">
-              <a:lumMod val="20000"/>
-              <a:lumOff val="80000"/>
+            <a:schemeClr val="accent4">
+              <a:lumMod val="60000"/>
+              <a:lumOff val="40000"/>
             </a:schemeClr>
           </a:solidFill>
           <a:ln w="6350">
